--- a/社群媒體分析實務.pptx
+++ b/社群媒體分析實務.pptx
@@ -15,6 +15,7 @@
     <p:sldId id="263" r:id="rId9"/>
     <p:sldId id="264" r:id="rId10"/>
     <p:sldId id="265" r:id="rId11"/>
+    <p:sldId id="266" r:id="rId12"/>
   </p:sldIdLst>
   <p:sldSz cx="12192000" cy="6858000"/>
   <p:notesSz cx="6858000" cy="9144000"/>
@@ -452,7 +453,7 @@
           <a:p>
             <a:fld id="{4DDDE9A9-B1E6-4F8E-8AC8-A7F8E7FA61BE}" type="datetimeFigureOut">
               <a:rPr lang="zh-TW" altLang="en-US" smtClean="0"/>
-              <a:t>2016/12/5</a:t>
+              <a:t>2016/12/8</a:t>
             </a:fld>
             <a:endParaRPr lang="zh-TW" altLang="en-US"/>
           </a:p>
@@ -776,7 +777,7 @@
           <a:p>
             <a:fld id="{4DDDE9A9-B1E6-4F8E-8AC8-A7F8E7FA61BE}" type="datetimeFigureOut">
               <a:rPr lang="zh-TW" altLang="en-US" smtClean="0"/>
-              <a:t>2016/12/5</a:t>
+              <a:t>2016/12/8</a:t>
             </a:fld>
             <a:endParaRPr lang="zh-TW" altLang="en-US"/>
           </a:p>
@@ -1024,7 +1025,7 @@
           <a:p>
             <a:fld id="{4DDDE9A9-B1E6-4F8E-8AC8-A7F8E7FA61BE}" type="datetimeFigureOut">
               <a:rPr lang="zh-TW" altLang="en-US" smtClean="0"/>
-              <a:t>2016/12/5</a:t>
+              <a:t>2016/12/8</a:t>
             </a:fld>
             <a:endParaRPr lang="zh-TW" altLang="en-US"/>
           </a:p>
@@ -1363,7 +1364,7 @@
           <a:p>
             <a:fld id="{4DDDE9A9-B1E6-4F8E-8AC8-A7F8E7FA61BE}" type="datetimeFigureOut">
               <a:rPr lang="zh-TW" altLang="en-US" smtClean="0"/>
-              <a:t>2016/12/5</a:t>
+              <a:t>2016/12/8</a:t>
             </a:fld>
             <a:endParaRPr lang="zh-TW" altLang="en-US"/>
           </a:p>
@@ -1710,7 +1711,7 @@
           <a:p>
             <a:fld id="{4DDDE9A9-B1E6-4F8E-8AC8-A7F8E7FA61BE}" type="datetimeFigureOut">
               <a:rPr lang="zh-TW" altLang="en-US" smtClean="0"/>
-              <a:t>2016/12/5</a:t>
+              <a:t>2016/12/8</a:t>
             </a:fld>
             <a:endParaRPr lang="zh-TW" altLang="en-US"/>
           </a:p>
@@ -2084,7 +2085,7 @@
           <a:p>
             <a:fld id="{4DDDE9A9-B1E6-4F8E-8AC8-A7F8E7FA61BE}" type="datetimeFigureOut">
               <a:rPr lang="zh-TW" altLang="en-US" smtClean="0"/>
-              <a:t>2016/12/5</a:t>
+              <a:t>2016/12/8</a:t>
             </a:fld>
             <a:endParaRPr lang="zh-TW" altLang="en-US"/>
           </a:p>
@@ -2554,7 +2555,7 @@
           <a:p>
             <a:fld id="{4DDDE9A9-B1E6-4F8E-8AC8-A7F8E7FA61BE}" type="datetimeFigureOut">
               <a:rPr lang="zh-TW" altLang="en-US" smtClean="0"/>
-              <a:t>2016/12/5</a:t>
+              <a:t>2016/12/8</a:t>
             </a:fld>
             <a:endParaRPr lang="zh-TW" altLang="en-US"/>
           </a:p>
@@ -2759,7 +2760,7 @@
           <a:p>
             <a:fld id="{4DDDE9A9-B1E6-4F8E-8AC8-A7F8E7FA61BE}" type="datetimeFigureOut">
               <a:rPr lang="zh-TW" altLang="en-US" smtClean="0"/>
-              <a:t>2016/12/5</a:t>
+              <a:t>2016/12/8</a:t>
             </a:fld>
             <a:endParaRPr lang="zh-TW" altLang="en-US"/>
           </a:p>
@@ -2970,7 +2971,7 @@
           <a:p>
             <a:fld id="{4DDDE9A9-B1E6-4F8E-8AC8-A7F8E7FA61BE}" type="datetimeFigureOut">
               <a:rPr lang="zh-TW" altLang="en-US" smtClean="0"/>
-              <a:t>2016/12/5</a:t>
+              <a:t>2016/12/8</a:t>
             </a:fld>
             <a:endParaRPr lang="zh-TW" altLang="en-US"/>
           </a:p>
@@ -3202,7 +3203,7 @@
           <a:p>
             <a:fld id="{4DDDE9A9-B1E6-4F8E-8AC8-A7F8E7FA61BE}" type="datetimeFigureOut">
               <a:rPr lang="zh-TW" altLang="en-US" smtClean="0"/>
-              <a:t>2016/12/5</a:t>
+              <a:t>2016/12/8</a:t>
             </a:fld>
             <a:endParaRPr lang="zh-TW" altLang="en-US"/>
           </a:p>
@@ -3450,7 +3451,7 @@
           <a:p>
             <a:fld id="{4DDDE9A9-B1E6-4F8E-8AC8-A7F8E7FA61BE}" type="datetimeFigureOut">
               <a:rPr lang="zh-TW" altLang="en-US" smtClean="0"/>
-              <a:t>2016/12/5</a:t>
+              <a:t>2016/12/8</a:t>
             </a:fld>
             <a:endParaRPr lang="zh-TW" altLang="en-US"/>
           </a:p>
@@ -3748,7 +3749,7 @@
           <a:p>
             <a:fld id="{4DDDE9A9-B1E6-4F8E-8AC8-A7F8E7FA61BE}" type="datetimeFigureOut">
               <a:rPr lang="zh-TW" altLang="en-US" smtClean="0"/>
-              <a:t>2016/12/5</a:t>
+              <a:t>2016/12/8</a:t>
             </a:fld>
             <a:endParaRPr lang="zh-TW" altLang="en-US"/>
           </a:p>
@@ -4142,7 +4143,7 @@
           <a:p>
             <a:fld id="{4DDDE9A9-B1E6-4F8E-8AC8-A7F8E7FA61BE}" type="datetimeFigureOut">
               <a:rPr lang="zh-TW" altLang="en-US" smtClean="0"/>
-              <a:t>2016/12/5</a:t>
+              <a:t>2016/12/8</a:t>
             </a:fld>
             <a:endParaRPr lang="zh-TW" altLang="en-US"/>
           </a:p>
@@ -4291,7 +4292,7 @@
           <a:p>
             <a:fld id="{4DDDE9A9-B1E6-4F8E-8AC8-A7F8E7FA61BE}" type="datetimeFigureOut">
               <a:rPr lang="zh-TW" altLang="en-US" smtClean="0"/>
-              <a:t>2016/12/5</a:t>
+              <a:t>2016/12/8</a:t>
             </a:fld>
             <a:endParaRPr lang="zh-TW" altLang="en-US"/>
           </a:p>
@@ -4417,7 +4418,7 @@
           <a:p>
             <a:fld id="{4DDDE9A9-B1E6-4F8E-8AC8-A7F8E7FA61BE}" type="datetimeFigureOut">
               <a:rPr lang="zh-TW" altLang="en-US" smtClean="0"/>
-              <a:t>2016/12/5</a:t>
+              <a:t>2016/12/8</a:t>
             </a:fld>
             <a:endParaRPr lang="zh-TW" altLang="en-US"/>
           </a:p>
@@ -4672,7 +4673,7 @@
           <a:p>
             <a:fld id="{4DDDE9A9-B1E6-4F8E-8AC8-A7F8E7FA61BE}" type="datetimeFigureOut">
               <a:rPr lang="zh-TW" altLang="en-US" smtClean="0"/>
-              <a:t>2016/12/5</a:t>
+              <a:t>2016/12/8</a:t>
             </a:fld>
             <a:endParaRPr lang="zh-TW" altLang="en-US"/>
           </a:p>
@@ -4987,7 +4988,7 @@
           <a:p>
             <a:fld id="{4DDDE9A9-B1E6-4F8E-8AC8-A7F8E7FA61BE}" type="datetimeFigureOut">
               <a:rPr lang="zh-TW" altLang="en-US" smtClean="0"/>
-              <a:t>2016/12/5</a:t>
+              <a:t>2016/12/8</a:t>
             </a:fld>
             <a:endParaRPr lang="zh-TW" altLang="en-US"/>
           </a:p>
@@ -5338,7 +5339,7 @@
           <a:p>
             <a:fld id="{4DDDE9A9-B1E6-4F8E-8AC8-A7F8E7FA61BE}" type="datetimeFigureOut">
               <a:rPr lang="zh-TW" altLang="en-US" smtClean="0"/>
-              <a:t>2016/12/5</a:t>
+              <a:t>2016/12/8</a:t>
             </a:fld>
             <a:endParaRPr lang="zh-TW" altLang="en-US"/>
           </a:p>
@@ -6005,32 +6006,6 @@
           </a:p>
         </p:txBody>
       </p:sp>
-      <p:pic>
-        <p:nvPicPr>
-          <p:cNvPr id="4" name="內容版面配置區 3"/>
-          <p:cNvPicPr>
-            <a:picLocks noGrp="1" noChangeAspect="1"/>
-          </p:cNvPicPr>
-          <p:nvPr>
-            <p:ph idx="1"/>
-          </p:nvPr>
-        </p:nvPicPr>
-        <p:blipFill>
-          <a:blip r:embed="rId2"/>
-          <a:stretch>
-            <a:fillRect/>
-          </a:stretch>
-        </p:blipFill>
-        <p:spPr>
-          <a:xfrm>
-            <a:off x="1295401" y="2442133"/>
-            <a:ext cx="3540209" cy="3774449"/>
-          </a:xfrm>
-          <a:prstGeom prst="rect">
-            <a:avLst/>
-          </a:prstGeom>
-        </p:spPr>
-      </p:pic>
       <p:sp>
         <p:nvSpPr>
           <p:cNvPr id="5" name="文字方塊 4"/>
@@ -6056,6 +6031,236 @@
             <a:r>
               <a:rPr lang="zh-TW" altLang="en-US" sz="2000" dirty="0" smtClean="0"/>
               <a:t>利用帳號的跟隨人數來判斷該帳號是否為指標帳號</a:t>
+            </a:r>
+            <a:endParaRPr lang="zh-TW" altLang="en-US" sz="2000" dirty="0"/>
+          </a:p>
+        </p:txBody>
+      </p:sp>
+      <p:pic>
+        <p:nvPicPr>
+          <p:cNvPr id="7" name="內容版面配置區 6"/>
+          <p:cNvPicPr>
+            <a:picLocks noGrp="1" noChangeAspect="1"/>
+          </p:cNvPicPr>
+          <p:nvPr>
+            <p:ph idx="1"/>
+          </p:nvPr>
+        </p:nvPicPr>
+        <p:blipFill>
+          <a:blip r:embed="rId2"/>
+          <a:stretch>
+            <a:fillRect/>
+          </a:stretch>
+        </p:blipFill>
+        <p:spPr>
+          <a:xfrm>
+            <a:off x="1295402" y="2425657"/>
+            <a:ext cx="3581398" cy="3800444"/>
+          </a:xfrm>
+          <a:prstGeom prst="rect">
+            <a:avLst/>
+          </a:prstGeom>
+        </p:spPr>
+      </p:pic>
+      <p:sp>
+        <p:nvSpPr>
+          <p:cNvPr id="9" name="矩形 8"/>
+          <p:cNvSpPr/>
+          <p:nvPr/>
+        </p:nvSpPr>
+        <p:spPr>
+          <a:xfrm>
+            <a:off x="5069362" y="3036218"/>
+            <a:ext cx="6096000" cy="3170099"/>
+          </a:xfrm>
+          <a:prstGeom prst="rect">
+            <a:avLst/>
+          </a:prstGeom>
+        </p:spPr>
+        <p:txBody>
+          <a:bodyPr>
+            <a:spAutoFit/>
+          </a:bodyPr>
+          <a:lstStyle/>
+          <a:p>
+            <a:r>
+              <a:rPr lang="zh-TW" altLang="en-US" sz="2000" dirty="0" smtClean="0"/>
+              <a:t>Kevin Mitnick </a:t>
+            </a:r>
+            <a:r>
+              <a:rPr lang="en-US" altLang="zh-TW" sz="2000" dirty="0" smtClean="0"/>
+              <a:t>:</a:t>
+            </a:r>
+            <a:r>
+              <a:rPr lang="zh-TW" altLang="en-US" sz="2000" dirty="0" smtClean="0"/>
+              <a:t> 150343</a:t>
+            </a:r>
+            <a:endParaRPr lang="en-US" altLang="zh-TW" sz="2000" dirty="0" smtClean="0"/>
+          </a:p>
+          <a:p>
+            <a:r>
+              <a:rPr lang="zh-TW" altLang="en-US" sz="2000" dirty="0"/>
+              <a:t>Eugene </a:t>
+            </a:r>
+            <a:r>
+              <a:rPr lang="zh-TW" altLang="en-US" sz="2000" dirty="0" smtClean="0"/>
+              <a:t>Kaspersky </a:t>
+            </a:r>
+            <a:r>
+              <a:rPr lang="en-US" altLang="zh-TW" sz="2000" dirty="0" smtClean="0"/>
+              <a:t>:</a:t>
+            </a:r>
+            <a:r>
+              <a:rPr lang="zh-TW" altLang="en-US" sz="2000" dirty="0" smtClean="0"/>
+              <a:t> 133870</a:t>
+            </a:r>
+            <a:endParaRPr lang="en-US" altLang="zh-TW" sz="2000" dirty="0" smtClean="0"/>
+          </a:p>
+          <a:p>
+            <a:r>
+              <a:rPr lang="zh-TW" altLang="en-US" sz="2000" dirty="0" smtClean="0"/>
+              <a:t>Mikko Hypponen </a:t>
+            </a:r>
+            <a:r>
+              <a:rPr lang="en-US" altLang="zh-TW" sz="2000" dirty="0" smtClean="0"/>
+              <a:t>:</a:t>
+            </a:r>
+            <a:r>
+              <a:rPr lang="zh-TW" altLang="en-US" sz="2000" dirty="0" smtClean="0"/>
+              <a:t> 96474</a:t>
+            </a:r>
+            <a:endParaRPr lang="en-US" altLang="zh-TW" sz="2000" dirty="0" smtClean="0"/>
+          </a:p>
+          <a:p>
+            <a:r>
+              <a:rPr lang="en-US" altLang="zh-TW" sz="2000" dirty="0" smtClean="0"/>
+              <a:t>B</a:t>
+            </a:r>
+            <a:r>
+              <a:rPr lang="zh-TW" altLang="en-US" sz="2000" dirty="0" smtClean="0"/>
+              <a:t>riankreb</a:t>
+            </a:r>
+            <a:r>
+              <a:rPr lang="en-US" altLang="zh-TW" sz="2000" dirty="0" smtClean="0"/>
+              <a:t>s : </a:t>
+            </a:r>
+            <a:r>
+              <a:rPr lang="zh-TW" altLang="en-US" sz="2000" dirty="0" smtClean="0"/>
+              <a:t>93573</a:t>
+            </a:r>
+            <a:endParaRPr lang="en-US" altLang="zh-TW" sz="2000" dirty="0" smtClean="0"/>
+          </a:p>
+          <a:p>
+            <a:r>
+              <a:rPr lang="zh-TW" altLang="en-US" sz="2000" dirty="0" smtClean="0"/>
+              <a:t>Threatpost</a:t>
+            </a:r>
+            <a:r>
+              <a:rPr lang="zh-TW" altLang="en-US" sz="2000" dirty="0"/>
+              <a:t> </a:t>
+            </a:r>
+            <a:r>
+              <a:rPr lang="en-US" altLang="zh-TW" sz="2000" dirty="0" smtClean="0"/>
+              <a:t>: </a:t>
+            </a:r>
+            <a:r>
+              <a:rPr lang="zh-TW" altLang="en-US" sz="2000" dirty="0" smtClean="0"/>
+              <a:t>92543</a:t>
+            </a:r>
+            <a:endParaRPr lang="en-US" altLang="zh-TW" sz="2000" dirty="0" smtClean="0"/>
+          </a:p>
+          <a:p>
+            <a:r>
+              <a:rPr lang="zh-TW" altLang="en-US" sz="2000" dirty="0"/>
+              <a:t>Schneier </a:t>
+            </a:r>
+            <a:r>
+              <a:rPr lang="zh-TW" altLang="en-US" sz="2000" dirty="0" smtClean="0"/>
+              <a:t>Blog</a:t>
+            </a:r>
+            <a:r>
+              <a:rPr lang="zh-TW" altLang="en-US" sz="2000" dirty="0"/>
+              <a:t> </a:t>
+            </a:r>
+            <a:r>
+              <a:rPr lang="en-US" altLang="zh-TW" sz="2000" dirty="0" smtClean="0"/>
+              <a:t>: </a:t>
+            </a:r>
+            <a:r>
+              <a:rPr lang="zh-TW" altLang="en-US" sz="2000" dirty="0" smtClean="0"/>
+              <a:t>64363</a:t>
+            </a:r>
+            <a:endParaRPr lang="en-US" altLang="zh-TW" sz="2000" dirty="0" smtClean="0"/>
+          </a:p>
+          <a:p>
+            <a:r>
+              <a:rPr lang="zh-TW" altLang="en-US" sz="2000" dirty="0"/>
+              <a:t>McAfee </a:t>
+            </a:r>
+            <a:r>
+              <a:rPr lang="zh-TW" altLang="en-US" sz="2000" dirty="0" smtClean="0"/>
+              <a:t>Labs </a:t>
+            </a:r>
+            <a:r>
+              <a:rPr lang="en-US" altLang="zh-TW" sz="2000" dirty="0" smtClean="0"/>
+              <a:t>:</a:t>
+            </a:r>
+            <a:r>
+              <a:rPr lang="zh-TW" altLang="en-US" sz="2000" dirty="0" smtClean="0"/>
+              <a:t> 59120</a:t>
+            </a:r>
+            <a:endParaRPr lang="en-US" altLang="zh-TW" sz="2000" dirty="0" smtClean="0"/>
+          </a:p>
+          <a:p>
+            <a:r>
+              <a:rPr lang="zh-TW" altLang="en-US" sz="2000" dirty="0"/>
+              <a:t>Jeremiah </a:t>
+            </a:r>
+            <a:r>
+              <a:rPr lang="zh-TW" altLang="en-US" sz="2000" dirty="0" smtClean="0"/>
+              <a:t>Grossman </a:t>
+            </a:r>
+            <a:r>
+              <a:rPr lang="en-US" altLang="zh-TW" sz="2000" dirty="0" smtClean="0"/>
+              <a:t>:</a:t>
+            </a:r>
+            <a:r>
+              <a:rPr lang="zh-TW" altLang="en-US" sz="2000" dirty="0" smtClean="0"/>
+              <a:t> 58201</a:t>
+            </a:r>
+            <a:endParaRPr lang="en-US" altLang="zh-TW" sz="2000" dirty="0" smtClean="0"/>
+          </a:p>
+          <a:p>
+            <a:r>
+              <a:rPr lang="zh-TW" altLang="en-US" sz="2000" dirty="0"/>
+              <a:t>Christopher </a:t>
+            </a:r>
+            <a:r>
+              <a:rPr lang="zh-TW" altLang="en-US" sz="2000" dirty="0" smtClean="0"/>
+              <a:t>Soghoian </a:t>
+            </a:r>
+            <a:r>
+              <a:rPr lang="en-US" altLang="zh-TW" sz="2000" dirty="0" smtClean="0"/>
+              <a:t>:</a:t>
+            </a:r>
+            <a:r>
+              <a:rPr lang="zh-TW" altLang="en-US" sz="2000" dirty="0" smtClean="0"/>
+              <a:t> 43184</a:t>
+            </a:r>
+            <a:endParaRPr lang="en-US" altLang="zh-TW" sz="2000" dirty="0" smtClean="0"/>
+          </a:p>
+          <a:p>
+            <a:r>
+              <a:rPr lang="zh-TW" altLang="en-US" sz="2000" dirty="0" smtClean="0"/>
+              <a:t>SophosLabs </a:t>
+            </a:r>
+            <a:r>
+              <a:rPr lang="en-US" altLang="zh-TW" sz="2000" dirty="0" smtClean="0"/>
+              <a:t>:</a:t>
+            </a:r>
+            <a:r>
+              <a:rPr lang="zh-TW" altLang="en-US" sz="2000" dirty="0" smtClean="0"/>
+              <a:t> 42726</a:t>
             </a:r>
             <a:endParaRPr lang="zh-TW" altLang="en-US" sz="2000" dirty="0"/>
           </a:p>
@@ -6078,6 +6283,308 @@
       </p:par>
     </p:tnLst>
   </p:timing>
+</p:sld>
+</file>
+
+<file path=ppt/slides/slide11.xml><?xml version="1.0" encoding="utf-8"?>
+<p:sld xmlns:a="http://schemas.openxmlformats.org/drawingml/2006/main" xmlns:r="http://schemas.openxmlformats.org/officeDocument/2006/relationships" xmlns:p="http://schemas.openxmlformats.org/presentationml/2006/main">
+  <p:cSld>
+    <p:spTree>
+      <p:nvGrpSpPr>
+        <p:cNvPr id="1" name=""/>
+        <p:cNvGrpSpPr/>
+        <p:nvPr/>
+      </p:nvGrpSpPr>
+      <p:grpSpPr>
+        <a:xfrm>
+          <a:off x="0" y="0"/>
+          <a:ext cx="0" cy="0"/>
+          <a:chOff x="0" y="0"/>
+          <a:chExt cx="0" cy="0"/>
+        </a:xfrm>
+      </p:grpSpPr>
+      <p:sp>
+        <p:nvSpPr>
+          <p:cNvPr id="2" name="標題 1"/>
+          <p:cNvSpPr>
+            <a:spLocks noGrp="1"/>
+          </p:cNvSpPr>
+          <p:nvPr>
+            <p:ph type="title"/>
+          </p:nvPr>
+        </p:nvSpPr>
+        <p:spPr/>
+        <p:txBody>
+          <a:bodyPr/>
+          <a:lstStyle/>
+          <a:p>
+            <a:r>
+              <a:rPr lang="en-US" altLang="zh-TW" dirty="0" err="1"/>
+              <a:t>Heatmap</a:t>
+            </a:r>
+            <a:endParaRPr lang="zh-TW" altLang="en-US" dirty="0"/>
+          </a:p>
+        </p:txBody>
+      </p:sp>
+      <p:pic>
+        <p:nvPicPr>
+          <p:cNvPr id="4" name="內容版面配置區 3"/>
+          <p:cNvPicPr>
+            <a:picLocks noGrp="1" noChangeAspect="1"/>
+          </p:cNvPicPr>
+          <p:nvPr>
+            <p:ph idx="1"/>
+          </p:nvPr>
+        </p:nvPicPr>
+        <p:blipFill>
+          <a:blip r:embed="rId2"/>
+          <a:stretch>
+            <a:fillRect/>
+          </a:stretch>
+        </p:blipFill>
+        <p:spPr>
+          <a:xfrm>
+            <a:off x="1295402" y="2491561"/>
+            <a:ext cx="4578176" cy="3546147"/>
+          </a:xfrm>
+          <a:prstGeom prst="rect">
+            <a:avLst/>
+          </a:prstGeom>
+        </p:spPr>
+      </p:pic>
+      <p:sp>
+        <p:nvSpPr>
+          <p:cNvPr id="6" name="矩形 5"/>
+          <p:cNvSpPr/>
+          <p:nvPr/>
+        </p:nvSpPr>
+        <p:spPr>
+          <a:xfrm>
+            <a:off x="6096000" y="2491561"/>
+            <a:ext cx="6096000" cy="646331"/>
+          </a:xfrm>
+          <a:prstGeom prst="rect">
+            <a:avLst/>
+          </a:prstGeom>
+        </p:spPr>
+        <p:txBody>
+          <a:bodyPr>
+            <a:spAutoFit/>
+          </a:bodyPr>
+          <a:lstStyle/>
+          <a:p>
+            <a:r>
+              <a:rPr lang="zh-TW" altLang="en-US" dirty="0" smtClean="0"/>
+              <a:t>Best score: 0.9</a:t>
+            </a:r>
+          </a:p>
+          <a:p>
+            <a:r>
+              <a:rPr lang="zh-TW" altLang="en-US" dirty="0" smtClean="0"/>
+              <a:t>Best parameters: {'max_features': 9, 'max_depth': 4}</a:t>
+            </a:r>
+            <a:endParaRPr lang="zh-TW" altLang="en-US" dirty="0"/>
+          </a:p>
+        </p:txBody>
+      </p:sp>
+      <p:sp>
+        <p:nvSpPr>
+          <p:cNvPr id="8" name="矩形 7"/>
+          <p:cNvSpPr/>
+          <p:nvPr/>
+        </p:nvSpPr>
+        <p:spPr>
+          <a:xfrm>
+            <a:off x="5873578" y="3137892"/>
+            <a:ext cx="6096000" cy="2862322"/>
+          </a:xfrm>
+          <a:prstGeom prst="rect">
+            <a:avLst/>
+          </a:prstGeom>
+        </p:spPr>
+        <p:txBody>
+          <a:bodyPr>
+            <a:spAutoFit/>
+          </a:bodyPr>
+          <a:lstStyle/>
+          <a:p>
+            <a:r>
+              <a:rPr lang="zh-TW" altLang="en-US" dirty="0"/>
+              <a:t>提到</a:t>
+            </a:r>
+            <a:r>
+              <a:rPr lang="en-US" altLang="zh-TW" dirty="0" err="1"/>
+              <a:t>cve</a:t>
+            </a:r>
+            <a:r>
+              <a:rPr lang="en-US" altLang="zh-TW" dirty="0"/>
+              <a:t>				</a:t>
+            </a:r>
+            <a:r>
+              <a:rPr lang="zh-TW" altLang="en-US" dirty="0" smtClean="0"/>
+              <a:t>提到</a:t>
+            </a:r>
+            <a:r>
+              <a:rPr lang="en-US" altLang="zh-TW" dirty="0"/>
+              <a:t>backdoor</a:t>
+            </a:r>
+          </a:p>
+          <a:p>
+            <a:r>
+              <a:rPr lang="zh-TW" altLang="en-US" dirty="0"/>
+              <a:t>提到</a:t>
+            </a:r>
+            <a:r>
+              <a:rPr lang="en-US" altLang="zh-TW" dirty="0"/>
+              <a:t>vulnerability		</a:t>
+            </a:r>
+            <a:r>
+              <a:rPr lang="en-US" altLang="zh-TW" dirty="0" smtClean="0"/>
+              <a:t>	</a:t>
+            </a:r>
+            <a:r>
+              <a:rPr lang="zh-TW" altLang="en-US" dirty="0" smtClean="0"/>
+              <a:t>提到</a:t>
+            </a:r>
+            <a:r>
+              <a:rPr lang="en-US" altLang="zh-TW" dirty="0"/>
+              <a:t>apt</a:t>
+            </a:r>
+          </a:p>
+          <a:p>
+            <a:r>
+              <a:rPr lang="zh-TW" altLang="en-US" dirty="0"/>
+              <a:t>提到</a:t>
+            </a:r>
+            <a:r>
+              <a:rPr lang="en-US" altLang="zh-TW" dirty="0"/>
+              <a:t>exploit	</a:t>
+            </a:r>
+            <a:r>
+              <a:rPr lang="en-US" altLang="zh-TW"/>
+              <a:t>	</a:t>
+            </a:r>
+            <a:r>
+              <a:rPr lang="en-US" altLang="zh-TW" smtClean="0"/>
+              <a:t>	</a:t>
+            </a:r>
+            <a:r>
+              <a:rPr lang="zh-TW" altLang="en-US" smtClean="0"/>
+              <a:t>提到</a:t>
+            </a:r>
+            <a:r>
+              <a:rPr lang="en-US" altLang="zh-TW" dirty="0"/>
+              <a:t>malware</a:t>
+            </a:r>
+          </a:p>
+          <a:p>
+            <a:r>
+              <a:rPr lang="en-US" altLang="zh-TW" dirty="0"/>
+              <a:t>Follower </a:t>
+            </a:r>
+            <a:r>
+              <a:rPr lang="zh-TW" altLang="en-US" dirty="0"/>
+              <a:t>人數 </a:t>
+            </a:r>
+            <a:r>
+              <a:rPr lang="en-US" altLang="zh-TW" dirty="0"/>
+              <a:t>&lt; 10000</a:t>
+            </a:r>
+          </a:p>
+          <a:p>
+            <a:r>
+              <a:rPr lang="en-US" altLang="zh-TW" dirty="0"/>
+              <a:t>Follower</a:t>
+            </a:r>
+            <a:r>
+              <a:rPr lang="zh-TW" altLang="en-US" dirty="0"/>
+              <a:t>人數</a:t>
+            </a:r>
+            <a:r>
+              <a:rPr lang="en-US" altLang="zh-TW" dirty="0"/>
+              <a:t>&gt; 10000 &lt; 25000</a:t>
+            </a:r>
+          </a:p>
+          <a:p>
+            <a:r>
+              <a:rPr lang="en-US" altLang="zh-TW" dirty="0"/>
+              <a:t>Follower</a:t>
+            </a:r>
+            <a:r>
+              <a:rPr lang="zh-TW" altLang="en-US" dirty="0"/>
+              <a:t>人數</a:t>
+            </a:r>
+            <a:r>
+              <a:rPr lang="en-US" altLang="zh-TW" dirty="0"/>
+              <a:t>&gt; 50000</a:t>
+            </a:r>
+          </a:p>
+          <a:p>
+            <a:r>
+              <a:rPr lang="en-US" altLang="zh-TW" dirty="0"/>
+              <a:t>Friend </a:t>
+            </a:r>
+            <a:r>
+              <a:rPr lang="zh-TW" altLang="en-US" dirty="0"/>
+              <a:t>數 </a:t>
+            </a:r>
+            <a:r>
+              <a:rPr lang="en-US" altLang="zh-TW" dirty="0"/>
+              <a:t>&gt; 1500</a:t>
+            </a:r>
+          </a:p>
+          <a:p>
+            <a:r>
+              <a:rPr lang="en-US" altLang="zh-TW" dirty="0"/>
+              <a:t>Post </a:t>
+            </a:r>
+            <a:r>
+              <a:rPr lang="zh-TW" altLang="en-US" dirty="0"/>
+              <a:t>數 </a:t>
+            </a:r>
+            <a:r>
+              <a:rPr lang="en-US" altLang="zh-TW" dirty="0"/>
+              <a:t>&gt; 1000</a:t>
+            </a:r>
+          </a:p>
+          <a:p>
+            <a:r>
+              <a:rPr lang="zh-TW" altLang="en-US" dirty="0"/>
+              <a:t>有 </a:t>
+            </a:r>
+            <a:r>
+              <a:rPr lang="en-US" altLang="zh-TW" dirty="0" err="1"/>
+              <a:t>url</a:t>
+            </a:r>
+            <a:endParaRPr lang="en-US" altLang="zh-TW" dirty="0"/>
+          </a:p>
+          <a:p>
+            <a:r>
+              <a:rPr lang="en-US" altLang="zh-TW" dirty="0"/>
+              <a:t>Description </a:t>
+            </a:r>
+            <a:r>
+              <a:rPr lang="zh-TW" altLang="en-US" dirty="0"/>
+              <a:t>包含 </a:t>
+            </a:r>
+            <a:r>
+              <a:rPr lang="en-US" altLang="zh-TW" dirty="0"/>
+              <a:t>Security</a:t>
+            </a:r>
+            <a:endParaRPr lang="zh-TW" altLang="en-US" dirty="0"/>
+          </a:p>
+        </p:txBody>
+      </p:sp>
+    </p:spTree>
+    <p:extLst>
+      <p:ext uri="{BB962C8B-B14F-4D97-AF65-F5344CB8AC3E}">
+        <p14:creationId xmlns:p14="http://schemas.microsoft.com/office/powerpoint/2010/main" val="2803275247"/>
+      </p:ext>
+    </p:extLst>
+  </p:cSld>
+  <p:clrMapOvr>
+    <a:masterClrMapping/>
+  </p:clrMapOvr>
 </p:sld>
 </file>
 
@@ -6991,8 +7498,12 @@
           <a:p>
             <a:pPr lvl="1"/>
             <a:r>
+              <a:rPr lang="en-US" altLang="zh-TW" sz="2400" dirty="0" err="1"/>
+              <a:t>c</a:t>
+            </a:r>
+            <a:r>
               <a:rPr lang="en-US" altLang="zh-TW" sz="2400" dirty="0" err="1" smtClean="0"/>
-              <a:t>Cve</a:t>
+              <a:t>ve</a:t>
             </a:r>
             <a:r>
               <a:rPr lang="en-US" altLang="zh-TW" sz="2400" dirty="0" smtClean="0"/>
@@ -7019,15 +7530,23 @@
           <a:p>
             <a:pPr lvl="1"/>
             <a:r>
+              <a:rPr lang="en-US" altLang="zh-TW" sz="2400" dirty="0"/>
+              <a:t>v</a:t>
+            </a:r>
+            <a:r>
               <a:rPr lang="en-US" altLang="zh-TW" sz="2400" dirty="0" smtClean="0"/>
-              <a:t>Vulnerability							~</a:t>
+              <a:t>ulnerability							~</a:t>
             </a:r>
           </a:p>
           <a:p>
             <a:pPr lvl="1"/>
             <a:r>
+              <a:rPr lang="en-US" altLang="zh-TW" sz="2400" dirty="0"/>
+              <a:t>e</a:t>
+            </a:r>
+            <a:r>
               <a:rPr lang="en-US" altLang="zh-TW" sz="2400" dirty="0" smtClean="0"/>
-              <a:t>Exploit						2015/01/01</a:t>
+              <a:t>xploit						2015/01/01</a:t>
             </a:r>
             <a:r>
               <a:rPr lang="zh-TW" altLang="en-US" sz="2400" dirty="0" smtClean="0"/>
